--- a/ppt 16-9/0318.生命的粮.pptx
+++ b/ppt 16-9/0318.生命的粮.pptx
@@ -5,7 +5,7 @@
     <p:sldMasterId id="2147483648" r:id="rId1"/>
   </p:sldMasterIdLst>
   <p:sldIdLst>
-    <p:sldId id="3205" r:id="rId2"/>
+    <p:sldId id="3207" r:id="rId2"/>
   </p:sldIdLst>
   <p:sldSz cx="12192000" cy="6858000"/>
   <p:notesSz cx="6858000" cy="9144000"/>
@@ -129,7 +129,7 @@
           <p:cNvPr id="2" name="标题 1">
             <a:extLst>
               <a:ext uri="{FF2B5EF4-FFF2-40B4-BE49-F238E27FC236}">
-                <a16:creationId xmlns:a16="http://schemas.microsoft.com/office/drawing/2014/main" id="{EE910E24-14F9-0369-8689-D787B7F1DF49}"/>
+                <a16:creationId xmlns:a16="http://schemas.microsoft.com/office/drawing/2014/main" id="{114BAA0C-BE3B-16C4-68F1-65B492A56B49}"/>
               </a:ext>
             </a:extLst>
           </p:cNvPr>
@@ -166,7 +166,7 @@
           <p:cNvPr id="3" name="副标题 2">
             <a:extLst>
               <a:ext uri="{FF2B5EF4-FFF2-40B4-BE49-F238E27FC236}">
-                <a16:creationId xmlns:a16="http://schemas.microsoft.com/office/drawing/2014/main" id="{8EF030E8-9FCE-9F28-1F02-DDC54BF01801}"/>
+                <a16:creationId xmlns:a16="http://schemas.microsoft.com/office/drawing/2014/main" id="{C38403CB-EE31-1755-8C03-D68F3279A03A}"/>
               </a:ext>
             </a:extLst>
           </p:cNvPr>
@@ -236,7 +236,7 @@
           <p:cNvPr id="4" name="日期占位符 3">
             <a:extLst>
               <a:ext uri="{FF2B5EF4-FFF2-40B4-BE49-F238E27FC236}">
-                <a16:creationId xmlns:a16="http://schemas.microsoft.com/office/drawing/2014/main" id="{EAE9765B-0A4D-42A1-A74B-60EA0DB15300}"/>
+                <a16:creationId xmlns:a16="http://schemas.microsoft.com/office/drawing/2014/main" id="{58985BD8-230A-3596-4EEB-20588B3C7176}"/>
               </a:ext>
             </a:extLst>
           </p:cNvPr>
@@ -252,7 +252,7 @@
           <a:bodyPr/>
           <a:lstStyle/>
           <a:p>
-            <a:fld id="{9BD6B8FF-5C71-412F-B5BB-E4029EE878B5}" type="datetimeFigureOut">
+            <a:fld id="{62AD99B0-79BA-4518-8127-9DDC9B06332A}" type="datetimeFigureOut">
               <a:rPr lang="zh-CN" altLang="en-US" smtClean="0"/>
               <a:t>2024/3/10</a:t>
             </a:fld>
@@ -265,7 +265,7 @@
           <p:cNvPr id="5" name="页脚占位符 4">
             <a:extLst>
               <a:ext uri="{FF2B5EF4-FFF2-40B4-BE49-F238E27FC236}">
-                <a16:creationId xmlns:a16="http://schemas.microsoft.com/office/drawing/2014/main" id="{5260AE97-F528-D549-FCAA-2EDA6D6EF806}"/>
+                <a16:creationId xmlns:a16="http://schemas.microsoft.com/office/drawing/2014/main" id="{ECE80F5A-8D94-EC54-DB99-46D441D16FD9}"/>
               </a:ext>
             </a:extLst>
           </p:cNvPr>
@@ -290,7 +290,7 @@
           <p:cNvPr id="6" name="灯片编号占位符 5">
             <a:extLst>
               <a:ext uri="{FF2B5EF4-FFF2-40B4-BE49-F238E27FC236}">
-                <a16:creationId xmlns:a16="http://schemas.microsoft.com/office/drawing/2014/main" id="{18C71775-2C45-304C-4F38-BAECBC2D5AAE}"/>
+                <a16:creationId xmlns:a16="http://schemas.microsoft.com/office/drawing/2014/main" id="{11179A94-71AB-73F7-A10A-192D01CB5168}"/>
               </a:ext>
             </a:extLst>
           </p:cNvPr>
@@ -306,7 +306,7 @@
           <a:bodyPr/>
           <a:lstStyle/>
           <a:p>
-            <a:fld id="{5D76A656-5DE9-4333-8DF2-43D7776A6D84}" type="slidenum">
+            <a:fld id="{32B3C9AC-C866-4709-AE90-A24D4A6B39EC}" type="slidenum">
               <a:rPr lang="zh-CN" altLang="en-US" smtClean="0"/>
               <a:t>‹#›</a:t>
             </a:fld>
@@ -317,7 +317,7 @@
     </p:spTree>
     <p:extLst>
       <p:ext uri="{BB962C8B-B14F-4D97-AF65-F5344CB8AC3E}">
-        <p14:creationId xmlns:p14="http://schemas.microsoft.com/office/powerpoint/2010/main" val="500464547"/>
+        <p14:creationId xmlns:p14="http://schemas.microsoft.com/office/powerpoint/2010/main" val="3431010868"/>
       </p:ext>
     </p:extLst>
   </p:cSld>
@@ -349,7 +349,7 @@
           <p:cNvPr id="2" name="标题 1">
             <a:extLst>
               <a:ext uri="{FF2B5EF4-FFF2-40B4-BE49-F238E27FC236}">
-                <a16:creationId xmlns:a16="http://schemas.microsoft.com/office/drawing/2014/main" id="{619C9886-B458-5D04-BBC3-53E2BF3F9F98}"/>
+                <a16:creationId xmlns:a16="http://schemas.microsoft.com/office/drawing/2014/main" id="{674BB25A-99B7-B27D-9432-16C187F7CC7B}"/>
               </a:ext>
             </a:extLst>
           </p:cNvPr>
@@ -377,7 +377,7 @@
           <p:cNvPr id="3" name="竖排文字占位符 2">
             <a:extLst>
               <a:ext uri="{FF2B5EF4-FFF2-40B4-BE49-F238E27FC236}">
-                <a16:creationId xmlns:a16="http://schemas.microsoft.com/office/drawing/2014/main" id="{4879A849-B4C1-4A53-EA7A-72531279B9A2}"/>
+                <a16:creationId xmlns:a16="http://schemas.microsoft.com/office/drawing/2014/main" id="{EE7E941A-7D36-2F2E-EA19-7844400A1C32}"/>
               </a:ext>
             </a:extLst>
           </p:cNvPr>
@@ -434,7 +434,7 @@
           <p:cNvPr id="4" name="日期占位符 3">
             <a:extLst>
               <a:ext uri="{FF2B5EF4-FFF2-40B4-BE49-F238E27FC236}">
-                <a16:creationId xmlns:a16="http://schemas.microsoft.com/office/drawing/2014/main" id="{75D91606-3CEB-2FC4-4642-093B36B4A3C8}"/>
+                <a16:creationId xmlns:a16="http://schemas.microsoft.com/office/drawing/2014/main" id="{CA9A8729-469D-DF99-32EB-05A8FF08D687}"/>
               </a:ext>
             </a:extLst>
           </p:cNvPr>
@@ -450,7 +450,7 @@
           <a:bodyPr/>
           <a:lstStyle/>
           <a:p>
-            <a:fld id="{9BD6B8FF-5C71-412F-B5BB-E4029EE878B5}" type="datetimeFigureOut">
+            <a:fld id="{62AD99B0-79BA-4518-8127-9DDC9B06332A}" type="datetimeFigureOut">
               <a:rPr lang="zh-CN" altLang="en-US" smtClean="0"/>
               <a:t>2024/3/10</a:t>
             </a:fld>
@@ -463,7 +463,7 @@
           <p:cNvPr id="5" name="页脚占位符 4">
             <a:extLst>
               <a:ext uri="{FF2B5EF4-FFF2-40B4-BE49-F238E27FC236}">
-                <a16:creationId xmlns:a16="http://schemas.microsoft.com/office/drawing/2014/main" id="{C0348616-0B5F-704A-7006-296FDF85D311}"/>
+                <a16:creationId xmlns:a16="http://schemas.microsoft.com/office/drawing/2014/main" id="{7FD90D3B-68C3-D17A-C832-5C5442174711}"/>
               </a:ext>
             </a:extLst>
           </p:cNvPr>
@@ -488,7 +488,7 @@
           <p:cNvPr id="6" name="灯片编号占位符 5">
             <a:extLst>
               <a:ext uri="{FF2B5EF4-FFF2-40B4-BE49-F238E27FC236}">
-                <a16:creationId xmlns:a16="http://schemas.microsoft.com/office/drawing/2014/main" id="{F4CAB3E5-1A50-857B-45A5-6E39A33F9513}"/>
+                <a16:creationId xmlns:a16="http://schemas.microsoft.com/office/drawing/2014/main" id="{054DE799-D688-4894-7C8C-CC30F0F918BD}"/>
               </a:ext>
             </a:extLst>
           </p:cNvPr>
@@ -504,7 +504,7 @@
           <a:bodyPr/>
           <a:lstStyle/>
           <a:p>
-            <a:fld id="{5D76A656-5DE9-4333-8DF2-43D7776A6D84}" type="slidenum">
+            <a:fld id="{32B3C9AC-C866-4709-AE90-A24D4A6B39EC}" type="slidenum">
               <a:rPr lang="zh-CN" altLang="en-US" smtClean="0"/>
               <a:t>‹#›</a:t>
             </a:fld>
@@ -515,7 +515,7 @@
     </p:spTree>
     <p:extLst>
       <p:ext uri="{BB962C8B-B14F-4D97-AF65-F5344CB8AC3E}">
-        <p14:creationId xmlns:p14="http://schemas.microsoft.com/office/powerpoint/2010/main" val="2528268697"/>
+        <p14:creationId xmlns:p14="http://schemas.microsoft.com/office/powerpoint/2010/main" val="2758751075"/>
       </p:ext>
     </p:extLst>
   </p:cSld>
@@ -547,7 +547,7 @@
           <p:cNvPr id="2" name="竖排标题 1">
             <a:extLst>
               <a:ext uri="{FF2B5EF4-FFF2-40B4-BE49-F238E27FC236}">
-                <a16:creationId xmlns:a16="http://schemas.microsoft.com/office/drawing/2014/main" id="{127ECFFD-57BF-795E-4559-C453F471C95C}"/>
+                <a16:creationId xmlns:a16="http://schemas.microsoft.com/office/drawing/2014/main" id="{8F014AB5-526B-1028-287A-B0B393490B56}"/>
               </a:ext>
             </a:extLst>
           </p:cNvPr>
@@ -580,7 +580,7 @@
           <p:cNvPr id="3" name="竖排文字占位符 2">
             <a:extLst>
               <a:ext uri="{FF2B5EF4-FFF2-40B4-BE49-F238E27FC236}">
-                <a16:creationId xmlns:a16="http://schemas.microsoft.com/office/drawing/2014/main" id="{AA82E1F0-1D15-AC5D-08A7-B2C94FD0BC78}"/>
+                <a16:creationId xmlns:a16="http://schemas.microsoft.com/office/drawing/2014/main" id="{54FDCD70-EB13-76E6-5F16-CF3E43DCC730}"/>
               </a:ext>
             </a:extLst>
           </p:cNvPr>
@@ -642,7 +642,7 @@
           <p:cNvPr id="4" name="日期占位符 3">
             <a:extLst>
               <a:ext uri="{FF2B5EF4-FFF2-40B4-BE49-F238E27FC236}">
-                <a16:creationId xmlns:a16="http://schemas.microsoft.com/office/drawing/2014/main" id="{1CDAC37F-073C-13F3-C7DE-A85CC4786A56}"/>
+                <a16:creationId xmlns:a16="http://schemas.microsoft.com/office/drawing/2014/main" id="{A2D5C05B-BB10-1B3E-95D4-18982AD205AB}"/>
               </a:ext>
             </a:extLst>
           </p:cNvPr>
@@ -658,7 +658,7 @@
           <a:bodyPr/>
           <a:lstStyle/>
           <a:p>
-            <a:fld id="{9BD6B8FF-5C71-412F-B5BB-E4029EE878B5}" type="datetimeFigureOut">
+            <a:fld id="{62AD99B0-79BA-4518-8127-9DDC9B06332A}" type="datetimeFigureOut">
               <a:rPr lang="zh-CN" altLang="en-US" smtClean="0"/>
               <a:t>2024/3/10</a:t>
             </a:fld>
@@ -671,7 +671,7 @@
           <p:cNvPr id="5" name="页脚占位符 4">
             <a:extLst>
               <a:ext uri="{FF2B5EF4-FFF2-40B4-BE49-F238E27FC236}">
-                <a16:creationId xmlns:a16="http://schemas.microsoft.com/office/drawing/2014/main" id="{472C7065-681D-3B83-CA27-816903195EFE}"/>
+                <a16:creationId xmlns:a16="http://schemas.microsoft.com/office/drawing/2014/main" id="{C6A0C061-90AD-BF1B-75A7-416A0BA77C7D}"/>
               </a:ext>
             </a:extLst>
           </p:cNvPr>
@@ -696,7 +696,7 @@
           <p:cNvPr id="6" name="灯片编号占位符 5">
             <a:extLst>
               <a:ext uri="{FF2B5EF4-FFF2-40B4-BE49-F238E27FC236}">
-                <a16:creationId xmlns:a16="http://schemas.microsoft.com/office/drawing/2014/main" id="{F15C57E1-C85D-AE74-E814-9BE44D09ACC5}"/>
+                <a16:creationId xmlns:a16="http://schemas.microsoft.com/office/drawing/2014/main" id="{4452387E-AC7E-B8EB-C3A0-9ED15CD763FB}"/>
               </a:ext>
             </a:extLst>
           </p:cNvPr>
@@ -712,7 +712,7 @@
           <a:bodyPr/>
           <a:lstStyle/>
           <a:p>
-            <a:fld id="{5D76A656-5DE9-4333-8DF2-43D7776A6D84}" type="slidenum">
+            <a:fld id="{32B3C9AC-C866-4709-AE90-A24D4A6B39EC}" type="slidenum">
               <a:rPr lang="zh-CN" altLang="en-US" smtClean="0"/>
               <a:t>‹#›</a:t>
             </a:fld>
@@ -723,7 +723,7 @@
     </p:spTree>
     <p:extLst>
       <p:ext uri="{BB962C8B-B14F-4D97-AF65-F5344CB8AC3E}">
-        <p14:creationId xmlns:p14="http://schemas.microsoft.com/office/powerpoint/2010/main" val="893953372"/>
+        <p14:creationId xmlns:p14="http://schemas.microsoft.com/office/powerpoint/2010/main" val="2567991591"/>
       </p:ext>
     </p:extLst>
   </p:cSld>
@@ -755,7 +755,7 @@
           <p:cNvPr id="2" name="标题 1">
             <a:extLst>
               <a:ext uri="{FF2B5EF4-FFF2-40B4-BE49-F238E27FC236}">
-                <a16:creationId xmlns:a16="http://schemas.microsoft.com/office/drawing/2014/main" id="{3E4AD989-0942-F873-DD5A-B146506A8FA8}"/>
+                <a16:creationId xmlns:a16="http://schemas.microsoft.com/office/drawing/2014/main" id="{4D3FB972-BE5D-AD71-56A5-902E62880444}"/>
               </a:ext>
             </a:extLst>
           </p:cNvPr>
@@ -783,7 +783,7 @@
           <p:cNvPr id="3" name="内容占位符 2">
             <a:extLst>
               <a:ext uri="{FF2B5EF4-FFF2-40B4-BE49-F238E27FC236}">
-                <a16:creationId xmlns:a16="http://schemas.microsoft.com/office/drawing/2014/main" id="{4BCE9E5E-B5B0-1210-B3C6-0D7495B5DEEC}"/>
+                <a16:creationId xmlns:a16="http://schemas.microsoft.com/office/drawing/2014/main" id="{08564EAE-DEFC-77B1-49B2-7E6559BA7B28}"/>
               </a:ext>
             </a:extLst>
           </p:cNvPr>
@@ -840,7 +840,7 @@
           <p:cNvPr id="4" name="日期占位符 3">
             <a:extLst>
               <a:ext uri="{FF2B5EF4-FFF2-40B4-BE49-F238E27FC236}">
-                <a16:creationId xmlns:a16="http://schemas.microsoft.com/office/drawing/2014/main" id="{1A769AD0-23C8-6B75-1002-AA3C94FF5ED1}"/>
+                <a16:creationId xmlns:a16="http://schemas.microsoft.com/office/drawing/2014/main" id="{60B5A62B-D418-0814-49B4-3099DE70D05D}"/>
               </a:ext>
             </a:extLst>
           </p:cNvPr>
@@ -856,7 +856,7 @@
           <a:bodyPr/>
           <a:lstStyle/>
           <a:p>
-            <a:fld id="{9BD6B8FF-5C71-412F-B5BB-E4029EE878B5}" type="datetimeFigureOut">
+            <a:fld id="{62AD99B0-79BA-4518-8127-9DDC9B06332A}" type="datetimeFigureOut">
               <a:rPr lang="zh-CN" altLang="en-US" smtClean="0"/>
               <a:t>2024/3/10</a:t>
             </a:fld>
@@ -869,7 +869,7 @@
           <p:cNvPr id="5" name="页脚占位符 4">
             <a:extLst>
               <a:ext uri="{FF2B5EF4-FFF2-40B4-BE49-F238E27FC236}">
-                <a16:creationId xmlns:a16="http://schemas.microsoft.com/office/drawing/2014/main" id="{73495885-185B-B663-0C5F-8A88D6B77540}"/>
+                <a16:creationId xmlns:a16="http://schemas.microsoft.com/office/drawing/2014/main" id="{323A6C28-C934-FCD3-D90C-6FDC3A14E9B3}"/>
               </a:ext>
             </a:extLst>
           </p:cNvPr>
@@ -894,7 +894,7 @@
           <p:cNvPr id="6" name="灯片编号占位符 5">
             <a:extLst>
               <a:ext uri="{FF2B5EF4-FFF2-40B4-BE49-F238E27FC236}">
-                <a16:creationId xmlns:a16="http://schemas.microsoft.com/office/drawing/2014/main" id="{B1D4B44D-DBA5-DF0A-5232-5CB82A2A43D8}"/>
+                <a16:creationId xmlns:a16="http://schemas.microsoft.com/office/drawing/2014/main" id="{21620798-B8BA-713F-87E0-4DCD90B453E4}"/>
               </a:ext>
             </a:extLst>
           </p:cNvPr>
@@ -910,7 +910,7 @@
           <a:bodyPr/>
           <a:lstStyle/>
           <a:p>
-            <a:fld id="{5D76A656-5DE9-4333-8DF2-43D7776A6D84}" type="slidenum">
+            <a:fld id="{32B3C9AC-C866-4709-AE90-A24D4A6B39EC}" type="slidenum">
               <a:rPr lang="zh-CN" altLang="en-US" smtClean="0"/>
               <a:t>‹#›</a:t>
             </a:fld>
@@ -921,7 +921,7 @@
     </p:spTree>
     <p:extLst>
       <p:ext uri="{BB962C8B-B14F-4D97-AF65-F5344CB8AC3E}">
-        <p14:creationId xmlns:p14="http://schemas.microsoft.com/office/powerpoint/2010/main" val="113465235"/>
+        <p14:creationId xmlns:p14="http://schemas.microsoft.com/office/powerpoint/2010/main" val="730355995"/>
       </p:ext>
     </p:extLst>
   </p:cSld>
@@ -953,7 +953,7 @@
           <p:cNvPr id="2" name="标题 1">
             <a:extLst>
               <a:ext uri="{FF2B5EF4-FFF2-40B4-BE49-F238E27FC236}">
-                <a16:creationId xmlns:a16="http://schemas.microsoft.com/office/drawing/2014/main" id="{FDA102CB-F36C-CB4D-905A-3807372B1647}"/>
+                <a16:creationId xmlns:a16="http://schemas.microsoft.com/office/drawing/2014/main" id="{369A0117-27A4-A3BB-7FC2-54256216DC8C}"/>
               </a:ext>
             </a:extLst>
           </p:cNvPr>
@@ -990,7 +990,7 @@
           <p:cNvPr id="3" name="文本占位符 2">
             <a:extLst>
               <a:ext uri="{FF2B5EF4-FFF2-40B4-BE49-F238E27FC236}">
-                <a16:creationId xmlns:a16="http://schemas.microsoft.com/office/drawing/2014/main" id="{A367DE8E-9A5E-D324-D6F9-4AEF8F3E952C}"/>
+                <a16:creationId xmlns:a16="http://schemas.microsoft.com/office/drawing/2014/main" id="{2A788DDD-6C2E-54D8-A21D-496E036712ED}"/>
               </a:ext>
             </a:extLst>
           </p:cNvPr>
@@ -1115,7 +1115,7 @@
           <p:cNvPr id="4" name="日期占位符 3">
             <a:extLst>
               <a:ext uri="{FF2B5EF4-FFF2-40B4-BE49-F238E27FC236}">
-                <a16:creationId xmlns:a16="http://schemas.microsoft.com/office/drawing/2014/main" id="{E2650C1F-A69F-0794-F5C1-B2BB11CB9DC2}"/>
+                <a16:creationId xmlns:a16="http://schemas.microsoft.com/office/drawing/2014/main" id="{FB54B32A-FDDD-FB36-9A76-285A23EDD5B7}"/>
               </a:ext>
             </a:extLst>
           </p:cNvPr>
@@ -1131,7 +1131,7 @@
           <a:bodyPr/>
           <a:lstStyle/>
           <a:p>
-            <a:fld id="{9BD6B8FF-5C71-412F-B5BB-E4029EE878B5}" type="datetimeFigureOut">
+            <a:fld id="{62AD99B0-79BA-4518-8127-9DDC9B06332A}" type="datetimeFigureOut">
               <a:rPr lang="zh-CN" altLang="en-US" smtClean="0"/>
               <a:t>2024/3/10</a:t>
             </a:fld>
@@ -1144,7 +1144,7 @@
           <p:cNvPr id="5" name="页脚占位符 4">
             <a:extLst>
               <a:ext uri="{FF2B5EF4-FFF2-40B4-BE49-F238E27FC236}">
-                <a16:creationId xmlns:a16="http://schemas.microsoft.com/office/drawing/2014/main" id="{89975CAA-E0C3-93BB-C66C-B89B634C526A}"/>
+                <a16:creationId xmlns:a16="http://schemas.microsoft.com/office/drawing/2014/main" id="{71031B4D-5A31-A2F5-1C06-C81CF23AC4B9}"/>
               </a:ext>
             </a:extLst>
           </p:cNvPr>
@@ -1169,7 +1169,7 @@
           <p:cNvPr id="6" name="灯片编号占位符 5">
             <a:extLst>
               <a:ext uri="{FF2B5EF4-FFF2-40B4-BE49-F238E27FC236}">
-                <a16:creationId xmlns:a16="http://schemas.microsoft.com/office/drawing/2014/main" id="{36005332-BDA4-BE3E-A425-9DA37306BC92}"/>
+                <a16:creationId xmlns:a16="http://schemas.microsoft.com/office/drawing/2014/main" id="{067F0D46-E514-3F50-9EC1-B94BCF32E681}"/>
               </a:ext>
             </a:extLst>
           </p:cNvPr>
@@ -1185,7 +1185,7 @@
           <a:bodyPr/>
           <a:lstStyle/>
           <a:p>
-            <a:fld id="{5D76A656-5DE9-4333-8DF2-43D7776A6D84}" type="slidenum">
+            <a:fld id="{32B3C9AC-C866-4709-AE90-A24D4A6B39EC}" type="slidenum">
               <a:rPr lang="zh-CN" altLang="en-US" smtClean="0"/>
               <a:t>‹#›</a:t>
             </a:fld>
@@ -1196,7 +1196,7 @@
     </p:spTree>
     <p:extLst>
       <p:ext uri="{BB962C8B-B14F-4D97-AF65-F5344CB8AC3E}">
-        <p14:creationId xmlns:p14="http://schemas.microsoft.com/office/powerpoint/2010/main" val="4276078281"/>
+        <p14:creationId xmlns:p14="http://schemas.microsoft.com/office/powerpoint/2010/main" val="2142119757"/>
       </p:ext>
     </p:extLst>
   </p:cSld>
@@ -1228,7 +1228,7 @@
           <p:cNvPr id="2" name="标题 1">
             <a:extLst>
               <a:ext uri="{FF2B5EF4-FFF2-40B4-BE49-F238E27FC236}">
-                <a16:creationId xmlns:a16="http://schemas.microsoft.com/office/drawing/2014/main" id="{93A71C9A-59AD-F0AB-848A-5B53B5AB65CE}"/>
+                <a16:creationId xmlns:a16="http://schemas.microsoft.com/office/drawing/2014/main" id="{09AB0EB0-959B-0083-D38A-6BF78F85179C}"/>
               </a:ext>
             </a:extLst>
           </p:cNvPr>
@@ -1256,7 +1256,7 @@
           <p:cNvPr id="3" name="内容占位符 2">
             <a:extLst>
               <a:ext uri="{FF2B5EF4-FFF2-40B4-BE49-F238E27FC236}">
-                <a16:creationId xmlns:a16="http://schemas.microsoft.com/office/drawing/2014/main" id="{857E2A4C-FC7A-648D-8D57-C283974719C9}"/>
+                <a16:creationId xmlns:a16="http://schemas.microsoft.com/office/drawing/2014/main" id="{3C97BCC6-70A9-0101-A2F4-3440753672E5}"/>
               </a:ext>
             </a:extLst>
           </p:cNvPr>
@@ -1318,7 +1318,7 @@
           <p:cNvPr id="4" name="内容占位符 3">
             <a:extLst>
               <a:ext uri="{FF2B5EF4-FFF2-40B4-BE49-F238E27FC236}">
-                <a16:creationId xmlns:a16="http://schemas.microsoft.com/office/drawing/2014/main" id="{2388865B-14A1-B691-EA16-360F7730A77A}"/>
+                <a16:creationId xmlns:a16="http://schemas.microsoft.com/office/drawing/2014/main" id="{AEDF1F5E-6493-E449-72B6-1BC8BED02ED6}"/>
               </a:ext>
             </a:extLst>
           </p:cNvPr>
@@ -1380,7 +1380,7 @@
           <p:cNvPr id="5" name="日期占位符 4">
             <a:extLst>
               <a:ext uri="{FF2B5EF4-FFF2-40B4-BE49-F238E27FC236}">
-                <a16:creationId xmlns:a16="http://schemas.microsoft.com/office/drawing/2014/main" id="{0AE7BE91-6E3D-F921-60D1-AAB4C344EEF3}"/>
+                <a16:creationId xmlns:a16="http://schemas.microsoft.com/office/drawing/2014/main" id="{6ED87905-C943-5C52-FEBE-5F4991F6AE87}"/>
               </a:ext>
             </a:extLst>
           </p:cNvPr>
@@ -1396,7 +1396,7 @@
           <a:bodyPr/>
           <a:lstStyle/>
           <a:p>
-            <a:fld id="{9BD6B8FF-5C71-412F-B5BB-E4029EE878B5}" type="datetimeFigureOut">
+            <a:fld id="{62AD99B0-79BA-4518-8127-9DDC9B06332A}" type="datetimeFigureOut">
               <a:rPr lang="zh-CN" altLang="en-US" smtClean="0"/>
               <a:t>2024/3/10</a:t>
             </a:fld>
@@ -1409,7 +1409,7 @@
           <p:cNvPr id="6" name="页脚占位符 5">
             <a:extLst>
               <a:ext uri="{FF2B5EF4-FFF2-40B4-BE49-F238E27FC236}">
-                <a16:creationId xmlns:a16="http://schemas.microsoft.com/office/drawing/2014/main" id="{8F1663BE-9CE2-7DC1-3284-06EB1C89C429}"/>
+                <a16:creationId xmlns:a16="http://schemas.microsoft.com/office/drawing/2014/main" id="{22229378-5DA6-AB81-543A-8BDC809226C3}"/>
               </a:ext>
             </a:extLst>
           </p:cNvPr>
@@ -1434,7 +1434,7 @@
           <p:cNvPr id="7" name="灯片编号占位符 6">
             <a:extLst>
               <a:ext uri="{FF2B5EF4-FFF2-40B4-BE49-F238E27FC236}">
-                <a16:creationId xmlns:a16="http://schemas.microsoft.com/office/drawing/2014/main" id="{8B86D117-A6B8-A0E5-290B-E86EDB80B5A8}"/>
+                <a16:creationId xmlns:a16="http://schemas.microsoft.com/office/drawing/2014/main" id="{3A04C8B7-9508-FA3B-6E35-58D5B77AB712}"/>
               </a:ext>
             </a:extLst>
           </p:cNvPr>
@@ -1450,7 +1450,7 @@
           <a:bodyPr/>
           <a:lstStyle/>
           <a:p>
-            <a:fld id="{5D76A656-5DE9-4333-8DF2-43D7776A6D84}" type="slidenum">
+            <a:fld id="{32B3C9AC-C866-4709-AE90-A24D4A6B39EC}" type="slidenum">
               <a:rPr lang="zh-CN" altLang="en-US" smtClean="0"/>
               <a:t>‹#›</a:t>
             </a:fld>
@@ -1461,7 +1461,7 @@
     </p:spTree>
     <p:extLst>
       <p:ext uri="{BB962C8B-B14F-4D97-AF65-F5344CB8AC3E}">
-        <p14:creationId xmlns:p14="http://schemas.microsoft.com/office/powerpoint/2010/main" val="4268093142"/>
+        <p14:creationId xmlns:p14="http://schemas.microsoft.com/office/powerpoint/2010/main" val="3961974837"/>
       </p:ext>
     </p:extLst>
   </p:cSld>
@@ -1493,7 +1493,7 @@
           <p:cNvPr id="2" name="标题 1">
             <a:extLst>
               <a:ext uri="{FF2B5EF4-FFF2-40B4-BE49-F238E27FC236}">
-                <a16:creationId xmlns:a16="http://schemas.microsoft.com/office/drawing/2014/main" id="{F85093A7-047A-2005-0EA0-CED774BBC399}"/>
+                <a16:creationId xmlns:a16="http://schemas.microsoft.com/office/drawing/2014/main" id="{CFC0CFC0-5CB0-F5E9-4BD6-37FF666E0E83}"/>
               </a:ext>
             </a:extLst>
           </p:cNvPr>
@@ -1526,7 +1526,7 @@
           <p:cNvPr id="3" name="文本占位符 2">
             <a:extLst>
               <a:ext uri="{FF2B5EF4-FFF2-40B4-BE49-F238E27FC236}">
-                <a16:creationId xmlns:a16="http://schemas.microsoft.com/office/drawing/2014/main" id="{5776D2DB-FA2D-0A91-91D7-18DBD6AFF8B7}"/>
+                <a16:creationId xmlns:a16="http://schemas.microsoft.com/office/drawing/2014/main" id="{DBD2B1A7-2DB0-D36A-13D9-603EA280B14E}"/>
               </a:ext>
             </a:extLst>
           </p:cNvPr>
@@ -1597,7 +1597,7 @@
           <p:cNvPr id="4" name="内容占位符 3">
             <a:extLst>
               <a:ext uri="{FF2B5EF4-FFF2-40B4-BE49-F238E27FC236}">
-                <a16:creationId xmlns:a16="http://schemas.microsoft.com/office/drawing/2014/main" id="{2AED7E8E-F673-A2CE-2D51-03E1266EB652}"/>
+                <a16:creationId xmlns:a16="http://schemas.microsoft.com/office/drawing/2014/main" id="{866AD252-E39D-5A51-91B3-A7FB8CFCBE3E}"/>
               </a:ext>
             </a:extLst>
           </p:cNvPr>
@@ -1659,7 +1659,7 @@
           <p:cNvPr id="5" name="文本占位符 4">
             <a:extLst>
               <a:ext uri="{FF2B5EF4-FFF2-40B4-BE49-F238E27FC236}">
-                <a16:creationId xmlns:a16="http://schemas.microsoft.com/office/drawing/2014/main" id="{DA423E80-170E-1F4B-A8C7-98C83EB70A4D}"/>
+                <a16:creationId xmlns:a16="http://schemas.microsoft.com/office/drawing/2014/main" id="{967B48D2-532F-37E7-58F9-DF53C280CC7C}"/>
               </a:ext>
             </a:extLst>
           </p:cNvPr>
@@ -1730,7 +1730,7 @@
           <p:cNvPr id="6" name="内容占位符 5">
             <a:extLst>
               <a:ext uri="{FF2B5EF4-FFF2-40B4-BE49-F238E27FC236}">
-                <a16:creationId xmlns:a16="http://schemas.microsoft.com/office/drawing/2014/main" id="{25C7CF3D-5722-A9DE-8F93-191982F88704}"/>
+                <a16:creationId xmlns:a16="http://schemas.microsoft.com/office/drawing/2014/main" id="{640B87B8-AC6B-A418-B946-8CCB5B457B48}"/>
               </a:ext>
             </a:extLst>
           </p:cNvPr>
@@ -1792,7 +1792,7 @@
           <p:cNvPr id="7" name="日期占位符 6">
             <a:extLst>
               <a:ext uri="{FF2B5EF4-FFF2-40B4-BE49-F238E27FC236}">
-                <a16:creationId xmlns:a16="http://schemas.microsoft.com/office/drawing/2014/main" id="{B26E425B-258B-D7EB-A747-AC01810F8AFC}"/>
+                <a16:creationId xmlns:a16="http://schemas.microsoft.com/office/drawing/2014/main" id="{245CAF3B-6923-A78C-8395-A981F2C6041E}"/>
               </a:ext>
             </a:extLst>
           </p:cNvPr>
@@ -1808,7 +1808,7 @@
           <a:bodyPr/>
           <a:lstStyle/>
           <a:p>
-            <a:fld id="{9BD6B8FF-5C71-412F-B5BB-E4029EE878B5}" type="datetimeFigureOut">
+            <a:fld id="{62AD99B0-79BA-4518-8127-9DDC9B06332A}" type="datetimeFigureOut">
               <a:rPr lang="zh-CN" altLang="en-US" smtClean="0"/>
               <a:t>2024/3/10</a:t>
             </a:fld>
@@ -1821,7 +1821,7 @@
           <p:cNvPr id="8" name="页脚占位符 7">
             <a:extLst>
               <a:ext uri="{FF2B5EF4-FFF2-40B4-BE49-F238E27FC236}">
-                <a16:creationId xmlns:a16="http://schemas.microsoft.com/office/drawing/2014/main" id="{8D7653FF-F2C4-0125-1CC8-DF2B411E0DB1}"/>
+                <a16:creationId xmlns:a16="http://schemas.microsoft.com/office/drawing/2014/main" id="{FFAB3A75-3CFB-77ED-7DE6-D00AC468AC64}"/>
               </a:ext>
             </a:extLst>
           </p:cNvPr>
@@ -1846,7 +1846,7 @@
           <p:cNvPr id="9" name="灯片编号占位符 8">
             <a:extLst>
               <a:ext uri="{FF2B5EF4-FFF2-40B4-BE49-F238E27FC236}">
-                <a16:creationId xmlns:a16="http://schemas.microsoft.com/office/drawing/2014/main" id="{AE8987C9-EC8C-9E1C-28F4-41F6EA542E14}"/>
+                <a16:creationId xmlns:a16="http://schemas.microsoft.com/office/drawing/2014/main" id="{A0864CCF-DDC7-E3B8-8223-7897798CB2FE}"/>
               </a:ext>
             </a:extLst>
           </p:cNvPr>
@@ -1862,7 +1862,7 @@
           <a:bodyPr/>
           <a:lstStyle/>
           <a:p>
-            <a:fld id="{5D76A656-5DE9-4333-8DF2-43D7776A6D84}" type="slidenum">
+            <a:fld id="{32B3C9AC-C866-4709-AE90-A24D4A6B39EC}" type="slidenum">
               <a:rPr lang="zh-CN" altLang="en-US" smtClean="0"/>
               <a:t>‹#›</a:t>
             </a:fld>
@@ -1873,7 +1873,7 @@
     </p:spTree>
     <p:extLst>
       <p:ext uri="{BB962C8B-B14F-4D97-AF65-F5344CB8AC3E}">
-        <p14:creationId xmlns:p14="http://schemas.microsoft.com/office/powerpoint/2010/main" val="1301615691"/>
+        <p14:creationId xmlns:p14="http://schemas.microsoft.com/office/powerpoint/2010/main" val="3016103102"/>
       </p:ext>
     </p:extLst>
   </p:cSld>
@@ -1905,7 +1905,7 @@
           <p:cNvPr id="2" name="标题 1">
             <a:extLst>
               <a:ext uri="{FF2B5EF4-FFF2-40B4-BE49-F238E27FC236}">
-                <a16:creationId xmlns:a16="http://schemas.microsoft.com/office/drawing/2014/main" id="{796EBFCC-285B-5EFF-619E-28E99F18B3AB}"/>
+                <a16:creationId xmlns:a16="http://schemas.microsoft.com/office/drawing/2014/main" id="{B40D9717-43ED-0D37-CDAD-A83D6E22A8DF}"/>
               </a:ext>
             </a:extLst>
           </p:cNvPr>
@@ -1933,7 +1933,7 @@
           <p:cNvPr id="3" name="日期占位符 2">
             <a:extLst>
               <a:ext uri="{FF2B5EF4-FFF2-40B4-BE49-F238E27FC236}">
-                <a16:creationId xmlns:a16="http://schemas.microsoft.com/office/drawing/2014/main" id="{10813B24-E876-8C65-C446-75BBB817D0B1}"/>
+                <a16:creationId xmlns:a16="http://schemas.microsoft.com/office/drawing/2014/main" id="{E894A28B-309C-D287-2753-EA9AB26C89E9}"/>
               </a:ext>
             </a:extLst>
           </p:cNvPr>
@@ -1949,7 +1949,7 @@
           <a:bodyPr/>
           <a:lstStyle/>
           <a:p>
-            <a:fld id="{9BD6B8FF-5C71-412F-B5BB-E4029EE878B5}" type="datetimeFigureOut">
+            <a:fld id="{62AD99B0-79BA-4518-8127-9DDC9B06332A}" type="datetimeFigureOut">
               <a:rPr lang="zh-CN" altLang="en-US" smtClean="0"/>
               <a:t>2024/3/10</a:t>
             </a:fld>
@@ -1962,7 +1962,7 @@
           <p:cNvPr id="4" name="页脚占位符 3">
             <a:extLst>
               <a:ext uri="{FF2B5EF4-FFF2-40B4-BE49-F238E27FC236}">
-                <a16:creationId xmlns:a16="http://schemas.microsoft.com/office/drawing/2014/main" id="{16F1FA21-245B-99CD-D5A1-AFB496CB7894}"/>
+                <a16:creationId xmlns:a16="http://schemas.microsoft.com/office/drawing/2014/main" id="{E50F0CC7-67E6-1B9F-273A-5ACA553AAFF9}"/>
               </a:ext>
             </a:extLst>
           </p:cNvPr>
@@ -1987,7 +1987,7 @@
           <p:cNvPr id="5" name="灯片编号占位符 4">
             <a:extLst>
               <a:ext uri="{FF2B5EF4-FFF2-40B4-BE49-F238E27FC236}">
-                <a16:creationId xmlns:a16="http://schemas.microsoft.com/office/drawing/2014/main" id="{2EDE7C1B-9752-C9EE-0600-75C9B39B031A}"/>
+                <a16:creationId xmlns:a16="http://schemas.microsoft.com/office/drawing/2014/main" id="{5B435E97-49FA-1342-DF58-33FAEBA521A1}"/>
               </a:ext>
             </a:extLst>
           </p:cNvPr>
@@ -2003,7 +2003,7 @@
           <a:bodyPr/>
           <a:lstStyle/>
           <a:p>
-            <a:fld id="{5D76A656-5DE9-4333-8DF2-43D7776A6D84}" type="slidenum">
+            <a:fld id="{32B3C9AC-C866-4709-AE90-A24D4A6B39EC}" type="slidenum">
               <a:rPr lang="zh-CN" altLang="en-US" smtClean="0"/>
               <a:t>‹#›</a:t>
             </a:fld>
@@ -2014,7 +2014,7 @@
     </p:spTree>
     <p:extLst>
       <p:ext uri="{BB962C8B-B14F-4D97-AF65-F5344CB8AC3E}">
-        <p14:creationId xmlns:p14="http://schemas.microsoft.com/office/powerpoint/2010/main" val="681724469"/>
+        <p14:creationId xmlns:p14="http://schemas.microsoft.com/office/powerpoint/2010/main" val="2758762012"/>
       </p:ext>
     </p:extLst>
   </p:cSld>
@@ -2046,7 +2046,7 @@
           <p:cNvPr id="2" name="日期占位符 1">
             <a:extLst>
               <a:ext uri="{FF2B5EF4-FFF2-40B4-BE49-F238E27FC236}">
-                <a16:creationId xmlns:a16="http://schemas.microsoft.com/office/drawing/2014/main" id="{3DD98411-6716-107E-B5E7-05BCA086C900}"/>
+                <a16:creationId xmlns:a16="http://schemas.microsoft.com/office/drawing/2014/main" id="{40131EB4-C87A-4325-B306-C0C863296BDE}"/>
               </a:ext>
             </a:extLst>
           </p:cNvPr>
@@ -2062,7 +2062,7 @@
           <a:bodyPr/>
           <a:lstStyle/>
           <a:p>
-            <a:fld id="{9BD6B8FF-5C71-412F-B5BB-E4029EE878B5}" type="datetimeFigureOut">
+            <a:fld id="{62AD99B0-79BA-4518-8127-9DDC9B06332A}" type="datetimeFigureOut">
               <a:rPr lang="zh-CN" altLang="en-US" smtClean="0"/>
               <a:t>2024/3/10</a:t>
             </a:fld>
@@ -2075,7 +2075,7 @@
           <p:cNvPr id="3" name="页脚占位符 2">
             <a:extLst>
               <a:ext uri="{FF2B5EF4-FFF2-40B4-BE49-F238E27FC236}">
-                <a16:creationId xmlns:a16="http://schemas.microsoft.com/office/drawing/2014/main" id="{C8DD941F-8310-14D6-9469-B5B7118CFAB3}"/>
+                <a16:creationId xmlns:a16="http://schemas.microsoft.com/office/drawing/2014/main" id="{872E92CE-5C81-C7C3-473A-67868AB885EF}"/>
               </a:ext>
             </a:extLst>
           </p:cNvPr>
@@ -2100,7 +2100,7 @@
           <p:cNvPr id="4" name="灯片编号占位符 3">
             <a:extLst>
               <a:ext uri="{FF2B5EF4-FFF2-40B4-BE49-F238E27FC236}">
-                <a16:creationId xmlns:a16="http://schemas.microsoft.com/office/drawing/2014/main" id="{98381112-C3A8-43A6-40D7-855C11D61A15}"/>
+                <a16:creationId xmlns:a16="http://schemas.microsoft.com/office/drawing/2014/main" id="{2C1C58DA-2680-0D93-C7A6-EBC0A64159B6}"/>
               </a:ext>
             </a:extLst>
           </p:cNvPr>
@@ -2116,7 +2116,7 @@
           <a:bodyPr/>
           <a:lstStyle/>
           <a:p>
-            <a:fld id="{5D76A656-5DE9-4333-8DF2-43D7776A6D84}" type="slidenum">
+            <a:fld id="{32B3C9AC-C866-4709-AE90-A24D4A6B39EC}" type="slidenum">
               <a:rPr lang="zh-CN" altLang="en-US" smtClean="0"/>
               <a:t>‹#›</a:t>
             </a:fld>
@@ -2127,7 +2127,7 @@
     </p:spTree>
     <p:extLst>
       <p:ext uri="{BB962C8B-B14F-4D97-AF65-F5344CB8AC3E}">
-        <p14:creationId xmlns:p14="http://schemas.microsoft.com/office/powerpoint/2010/main" val="946606083"/>
+        <p14:creationId xmlns:p14="http://schemas.microsoft.com/office/powerpoint/2010/main" val="2899381705"/>
       </p:ext>
     </p:extLst>
   </p:cSld>
@@ -2159,7 +2159,7 @@
           <p:cNvPr id="2" name="标题 1">
             <a:extLst>
               <a:ext uri="{FF2B5EF4-FFF2-40B4-BE49-F238E27FC236}">
-                <a16:creationId xmlns:a16="http://schemas.microsoft.com/office/drawing/2014/main" id="{37D3C540-B819-D754-7DDC-538CE5C27C73}"/>
+                <a16:creationId xmlns:a16="http://schemas.microsoft.com/office/drawing/2014/main" id="{582D2710-A0D4-894F-A47D-3D9B81EBC5F4}"/>
               </a:ext>
             </a:extLst>
           </p:cNvPr>
@@ -2196,7 +2196,7 @@
           <p:cNvPr id="3" name="内容占位符 2">
             <a:extLst>
               <a:ext uri="{FF2B5EF4-FFF2-40B4-BE49-F238E27FC236}">
-                <a16:creationId xmlns:a16="http://schemas.microsoft.com/office/drawing/2014/main" id="{12BADDF8-A1B5-05C9-33F9-4772539E7497}"/>
+                <a16:creationId xmlns:a16="http://schemas.microsoft.com/office/drawing/2014/main" id="{981C605A-02BC-6202-8D0B-B6EE3D4BBDF0}"/>
               </a:ext>
             </a:extLst>
           </p:cNvPr>
@@ -2286,7 +2286,7 @@
           <p:cNvPr id="4" name="文本占位符 3">
             <a:extLst>
               <a:ext uri="{FF2B5EF4-FFF2-40B4-BE49-F238E27FC236}">
-                <a16:creationId xmlns:a16="http://schemas.microsoft.com/office/drawing/2014/main" id="{B99FF08E-BD20-D442-6DA3-650A942EBC75}"/>
+                <a16:creationId xmlns:a16="http://schemas.microsoft.com/office/drawing/2014/main" id="{23E44090-F532-6585-0D97-55143E0F2E00}"/>
               </a:ext>
             </a:extLst>
           </p:cNvPr>
@@ -2357,7 +2357,7 @@
           <p:cNvPr id="5" name="日期占位符 4">
             <a:extLst>
               <a:ext uri="{FF2B5EF4-FFF2-40B4-BE49-F238E27FC236}">
-                <a16:creationId xmlns:a16="http://schemas.microsoft.com/office/drawing/2014/main" id="{176DB515-DD7A-B3EF-424F-D62324ED7646}"/>
+                <a16:creationId xmlns:a16="http://schemas.microsoft.com/office/drawing/2014/main" id="{18916E9A-E588-5D1D-A4BF-A245F1E93329}"/>
               </a:ext>
             </a:extLst>
           </p:cNvPr>
@@ -2373,7 +2373,7 @@
           <a:bodyPr/>
           <a:lstStyle/>
           <a:p>
-            <a:fld id="{9BD6B8FF-5C71-412F-B5BB-E4029EE878B5}" type="datetimeFigureOut">
+            <a:fld id="{62AD99B0-79BA-4518-8127-9DDC9B06332A}" type="datetimeFigureOut">
               <a:rPr lang="zh-CN" altLang="en-US" smtClean="0"/>
               <a:t>2024/3/10</a:t>
             </a:fld>
@@ -2386,7 +2386,7 @@
           <p:cNvPr id="6" name="页脚占位符 5">
             <a:extLst>
               <a:ext uri="{FF2B5EF4-FFF2-40B4-BE49-F238E27FC236}">
-                <a16:creationId xmlns:a16="http://schemas.microsoft.com/office/drawing/2014/main" id="{3D5368D7-C16C-1578-3DF3-3A5747657C18}"/>
+                <a16:creationId xmlns:a16="http://schemas.microsoft.com/office/drawing/2014/main" id="{4E1027A8-FC78-346E-1A26-F0AC4E51965D}"/>
               </a:ext>
             </a:extLst>
           </p:cNvPr>
@@ -2411,7 +2411,7 @@
           <p:cNvPr id="7" name="灯片编号占位符 6">
             <a:extLst>
               <a:ext uri="{FF2B5EF4-FFF2-40B4-BE49-F238E27FC236}">
-                <a16:creationId xmlns:a16="http://schemas.microsoft.com/office/drawing/2014/main" id="{517BB048-0B89-F29B-DABE-2123FAC317BA}"/>
+                <a16:creationId xmlns:a16="http://schemas.microsoft.com/office/drawing/2014/main" id="{1F24D433-FDEA-B8E9-4CBA-CA7801C97B56}"/>
               </a:ext>
             </a:extLst>
           </p:cNvPr>
@@ -2427,7 +2427,7 @@
           <a:bodyPr/>
           <a:lstStyle/>
           <a:p>
-            <a:fld id="{5D76A656-5DE9-4333-8DF2-43D7776A6D84}" type="slidenum">
+            <a:fld id="{32B3C9AC-C866-4709-AE90-A24D4A6B39EC}" type="slidenum">
               <a:rPr lang="zh-CN" altLang="en-US" smtClean="0"/>
               <a:t>‹#›</a:t>
             </a:fld>
@@ -2438,7 +2438,7 @@
     </p:spTree>
     <p:extLst>
       <p:ext uri="{BB962C8B-B14F-4D97-AF65-F5344CB8AC3E}">
-        <p14:creationId xmlns:p14="http://schemas.microsoft.com/office/powerpoint/2010/main" val="108590462"/>
+        <p14:creationId xmlns:p14="http://schemas.microsoft.com/office/powerpoint/2010/main" val="675175363"/>
       </p:ext>
     </p:extLst>
   </p:cSld>
@@ -2470,7 +2470,7 @@
           <p:cNvPr id="2" name="标题 1">
             <a:extLst>
               <a:ext uri="{FF2B5EF4-FFF2-40B4-BE49-F238E27FC236}">
-                <a16:creationId xmlns:a16="http://schemas.microsoft.com/office/drawing/2014/main" id="{4463AC6A-BBB9-5D36-08D6-2EBE0478B0E5}"/>
+                <a16:creationId xmlns:a16="http://schemas.microsoft.com/office/drawing/2014/main" id="{18AF0D24-4847-3FB2-CA1E-94664FA865C3}"/>
               </a:ext>
             </a:extLst>
           </p:cNvPr>
@@ -2507,7 +2507,7 @@
           <p:cNvPr id="3" name="图片占位符 2">
             <a:extLst>
               <a:ext uri="{FF2B5EF4-FFF2-40B4-BE49-F238E27FC236}">
-                <a16:creationId xmlns:a16="http://schemas.microsoft.com/office/drawing/2014/main" id="{FA21E132-5938-F4EE-E3D7-BF080F21F5BD}"/>
+                <a16:creationId xmlns:a16="http://schemas.microsoft.com/office/drawing/2014/main" id="{A3D82385-148D-C0E7-EC08-91CD95240AE2}"/>
               </a:ext>
             </a:extLst>
           </p:cNvPr>
@@ -2574,7 +2574,7 @@
           <p:cNvPr id="4" name="文本占位符 3">
             <a:extLst>
               <a:ext uri="{FF2B5EF4-FFF2-40B4-BE49-F238E27FC236}">
-                <a16:creationId xmlns:a16="http://schemas.microsoft.com/office/drawing/2014/main" id="{44511D25-2F91-58BE-172D-6FFABE4DC5B8}"/>
+                <a16:creationId xmlns:a16="http://schemas.microsoft.com/office/drawing/2014/main" id="{62B6EF3C-1146-0839-430B-D4C9E6AF5A7F}"/>
               </a:ext>
             </a:extLst>
           </p:cNvPr>
@@ -2645,7 +2645,7 @@
           <p:cNvPr id="5" name="日期占位符 4">
             <a:extLst>
               <a:ext uri="{FF2B5EF4-FFF2-40B4-BE49-F238E27FC236}">
-                <a16:creationId xmlns:a16="http://schemas.microsoft.com/office/drawing/2014/main" id="{76D8697D-5330-D5B7-940B-C3BEA7EBDF58}"/>
+                <a16:creationId xmlns:a16="http://schemas.microsoft.com/office/drawing/2014/main" id="{F70A7CBC-1386-EC9D-62B1-57505E3D1980}"/>
               </a:ext>
             </a:extLst>
           </p:cNvPr>
@@ -2661,7 +2661,7 @@
           <a:bodyPr/>
           <a:lstStyle/>
           <a:p>
-            <a:fld id="{9BD6B8FF-5C71-412F-B5BB-E4029EE878B5}" type="datetimeFigureOut">
+            <a:fld id="{62AD99B0-79BA-4518-8127-9DDC9B06332A}" type="datetimeFigureOut">
               <a:rPr lang="zh-CN" altLang="en-US" smtClean="0"/>
               <a:t>2024/3/10</a:t>
             </a:fld>
@@ -2674,7 +2674,7 @@
           <p:cNvPr id="6" name="页脚占位符 5">
             <a:extLst>
               <a:ext uri="{FF2B5EF4-FFF2-40B4-BE49-F238E27FC236}">
-                <a16:creationId xmlns:a16="http://schemas.microsoft.com/office/drawing/2014/main" id="{0478CCB7-B064-A59C-20EA-3A9D96684F7B}"/>
+                <a16:creationId xmlns:a16="http://schemas.microsoft.com/office/drawing/2014/main" id="{1CCCFA50-B4AD-10CD-1048-8A2A4E5CE917}"/>
               </a:ext>
             </a:extLst>
           </p:cNvPr>
@@ -2699,7 +2699,7 @@
           <p:cNvPr id="7" name="灯片编号占位符 6">
             <a:extLst>
               <a:ext uri="{FF2B5EF4-FFF2-40B4-BE49-F238E27FC236}">
-                <a16:creationId xmlns:a16="http://schemas.microsoft.com/office/drawing/2014/main" id="{15BE3F25-FC23-C583-A2E4-1536F463BABF}"/>
+                <a16:creationId xmlns:a16="http://schemas.microsoft.com/office/drawing/2014/main" id="{DB87DCD0-2B32-2FA4-9069-B87DA633170D}"/>
               </a:ext>
             </a:extLst>
           </p:cNvPr>
@@ -2715,7 +2715,7 @@
           <a:bodyPr/>
           <a:lstStyle/>
           <a:p>
-            <a:fld id="{5D76A656-5DE9-4333-8DF2-43D7776A6D84}" type="slidenum">
+            <a:fld id="{32B3C9AC-C866-4709-AE90-A24D4A6B39EC}" type="slidenum">
               <a:rPr lang="zh-CN" altLang="en-US" smtClean="0"/>
               <a:t>‹#›</a:t>
             </a:fld>
@@ -2726,7 +2726,7 @@
     </p:spTree>
     <p:extLst>
       <p:ext uri="{BB962C8B-B14F-4D97-AF65-F5344CB8AC3E}">
-        <p14:creationId xmlns:p14="http://schemas.microsoft.com/office/powerpoint/2010/main" val="3655649595"/>
+        <p14:creationId xmlns:p14="http://schemas.microsoft.com/office/powerpoint/2010/main" val="2521210318"/>
       </p:ext>
     </p:extLst>
   </p:cSld>
@@ -2763,7 +2763,7 @@
           <p:cNvPr id="2" name="标题占位符 1">
             <a:extLst>
               <a:ext uri="{FF2B5EF4-FFF2-40B4-BE49-F238E27FC236}">
-                <a16:creationId xmlns:a16="http://schemas.microsoft.com/office/drawing/2014/main" id="{2A4BF623-BC3E-1894-15EB-17AB1FC71077}"/>
+                <a16:creationId xmlns:a16="http://schemas.microsoft.com/office/drawing/2014/main" id="{08F7F039-0CE8-E859-D959-533D70DD4471}"/>
               </a:ext>
             </a:extLst>
           </p:cNvPr>
@@ -2801,7 +2801,7 @@
           <p:cNvPr id="3" name="文本占位符 2">
             <a:extLst>
               <a:ext uri="{FF2B5EF4-FFF2-40B4-BE49-F238E27FC236}">
-                <a16:creationId xmlns:a16="http://schemas.microsoft.com/office/drawing/2014/main" id="{6CBD12A0-2677-CF0A-DB09-967532E6DB02}"/>
+                <a16:creationId xmlns:a16="http://schemas.microsoft.com/office/drawing/2014/main" id="{847047EE-68CB-9832-57A1-B9CA40272B8C}"/>
               </a:ext>
             </a:extLst>
           </p:cNvPr>
@@ -2868,7 +2868,7 @@
           <p:cNvPr id="4" name="日期占位符 3">
             <a:extLst>
               <a:ext uri="{FF2B5EF4-FFF2-40B4-BE49-F238E27FC236}">
-                <a16:creationId xmlns:a16="http://schemas.microsoft.com/office/drawing/2014/main" id="{FF5595AF-C07B-8848-7F7D-20464EEB21CF}"/>
+                <a16:creationId xmlns:a16="http://schemas.microsoft.com/office/drawing/2014/main" id="{31083828-6505-BCAD-04E5-731BC65DAA97}"/>
               </a:ext>
             </a:extLst>
           </p:cNvPr>
@@ -2902,7 +2902,7 @@
             </a:lvl1pPr>
           </a:lstStyle>
           <a:p>
-            <a:fld id="{9BD6B8FF-5C71-412F-B5BB-E4029EE878B5}" type="datetimeFigureOut">
+            <a:fld id="{62AD99B0-79BA-4518-8127-9DDC9B06332A}" type="datetimeFigureOut">
               <a:rPr lang="zh-CN" altLang="en-US" smtClean="0"/>
               <a:t>2024/3/10</a:t>
             </a:fld>
@@ -2915,7 +2915,7 @@
           <p:cNvPr id="5" name="页脚占位符 4">
             <a:extLst>
               <a:ext uri="{FF2B5EF4-FFF2-40B4-BE49-F238E27FC236}">
-                <a16:creationId xmlns:a16="http://schemas.microsoft.com/office/drawing/2014/main" id="{5CB265A7-37B8-5B90-E509-35C4AB5C93F7}"/>
+                <a16:creationId xmlns:a16="http://schemas.microsoft.com/office/drawing/2014/main" id="{CF15B5FE-BC38-AE04-9FFC-C1FD137EAF13}"/>
               </a:ext>
             </a:extLst>
           </p:cNvPr>
@@ -2958,7 +2958,7 @@
           <p:cNvPr id="6" name="灯片编号占位符 5">
             <a:extLst>
               <a:ext uri="{FF2B5EF4-FFF2-40B4-BE49-F238E27FC236}">
-                <a16:creationId xmlns:a16="http://schemas.microsoft.com/office/drawing/2014/main" id="{42748C1E-EBB4-B7E1-C881-81A2538B563A}"/>
+                <a16:creationId xmlns:a16="http://schemas.microsoft.com/office/drawing/2014/main" id="{FAFE3886-BF9E-F37E-47C5-EFA82A284360}"/>
               </a:ext>
             </a:extLst>
           </p:cNvPr>
@@ -2992,7 +2992,7 @@
             </a:lvl1pPr>
           </a:lstStyle>
           <a:p>
-            <a:fld id="{5D76A656-5DE9-4333-8DF2-43D7776A6D84}" type="slidenum">
+            <a:fld id="{32B3C9AC-C866-4709-AE90-A24D4A6B39EC}" type="slidenum">
               <a:rPr lang="zh-CN" altLang="en-US" smtClean="0"/>
               <a:t>‹#›</a:t>
             </a:fld>
@@ -3003,7 +3003,7 @@
     </p:spTree>
     <p:extLst>
       <p:ext uri="{BB962C8B-B14F-4D97-AF65-F5344CB8AC3E}">
-        <p14:creationId xmlns:p14="http://schemas.microsoft.com/office/powerpoint/2010/main" val="3007901489"/>
+        <p14:creationId xmlns:p14="http://schemas.microsoft.com/office/powerpoint/2010/main" val="3832352377"/>
       </p:ext>
     </p:extLst>
   </p:cSld>
@@ -3323,7 +3323,7 @@
       </p:grpSpPr>
       <p:pic>
         <p:nvPicPr>
-          <p:cNvPr id="325634" name="Picture 2" descr="317"/>
+          <p:cNvPr id="326658" name="Picture 2" descr="318"/>
           <p:cNvPicPr>
             <a:picLocks noChangeAspect="1" noChangeArrowheads="1"/>
           </p:cNvPicPr>
@@ -3344,8 +3344,8 @@
         </p:blipFill>
         <p:spPr bwMode="auto">
           <a:xfrm>
-            <a:off x="1524000" y="0"/>
-            <a:ext cx="9144000" cy="6858000"/>
+            <a:off x="1524000" y="1"/>
+            <a:ext cx="9144000" cy="4797425"/>
           </a:xfrm>
           <a:prstGeom prst="rect">
             <a:avLst/>
